--- a/확간양식.pptx
+++ b/확간양식.pptx
@@ -209,7 +209,7 @@
           <a:p>
             <a:fld id="{19F13344-D54A-4D86-A5D2-FD81DD084F9F}" type="datetimeFigureOut">
               <a:rPr lang="ko-KR" altLang="en-US" smtClean="0"/>
-              <a:t>2022-06-23</a:t>
+              <a:t>2022-06-28</a:t>
             </a:fld>
             <a:endParaRPr lang="ko-KR" altLang="en-US"/>
           </a:p>
@@ -623,7 +623,7 @@
           <a:p>
             <a:fld id="{22AABA13-C4C2-407F-881C-FF016485D499}" type="datetime1">
               <a:rPr lang="ko-KR" altLang="en-US" smtClean="0"/>
-              <a:t>2022-06-23</a:t>
+              <a:t>2022-06-28</a:t>
             </a:fld>
             <a:endParaRPr lang="ko-KR" altLang="en-US"/>
           </a:p>
@@ -821,7 +821,7 @@
           <a:p>
             <a:fld id="{8AC93597-FD44-4047-B60D-64BFDFC9AB07}" type="datetime1">
               <a:rPr lang="ko-KR" altLang="en-US" smtClean="0"/>
-              <a:t>2022-06-23</a:t>
+              <a:t>2022-06-28</a:t>
             </a:fld>
             <a:endParaRPr lang="ko-KR" altLang="en-US"/>
           </a:p>
@@ -1029,7 +1029,7 @@
           <a:p>
             <a:fld id="{D8E00E24-022F-4624-AA34-8D2AEF725D1C}" type="datetime1">
               <a:rPr lang="ko-KR" altLang="en-US" smtClean="0"/>
-              <a:t>2022-06-23</a:t>
+              <a:t>2022-06-28</a:t>
             </a:fld>
             <a:endParaRPr lang="ko-KR" altLang="en-US"/>
           </a:p>
@@ -1227,7 +1227,7 @@
           <a:p>
             <a:fld id="{912C9545-3AFA-49E2-BC82-B75E4BA824F3}" type="datetime1">
               <a:rPr lang="ko-KR" altLang="en-US" smtClean="0"/>
-              <a:t>2022-06-23</a:t>
+              <a:t>2022-06-28</a:t>
             </a:fld>
             <a:endParaRPr lang="ko-KR" altLang="en-US"/>
           </a:p>
@@ -1502,7 +1502,7 @@
           <a:p>
             <a:fld id="{EC8CC216-051A-4DD0-A620-105A76326424}" type="datetime1">
               <a:rPr lang="ko-KR" altLang="en-US" smtClean="0"/>
-              <a:t>2022-06-23</a:t>
+              <a:t>2022-06-28</a:t>
             </a:fld>
             <a:endParaRPr lang="ko-KR" altLang="en-US"/>
           </a:p>
@@ -1767,7 +1767,7 @@
           <a:p>
             <a:fld id="{1512F9A8-1B10-4C2A-942C-2744240A590B}" type="datetime1">
               <a:rPr lang="ko-KR" altLang="en-US" smtClean="0"/>
-              <a:t>2022-06-23</a:t>
+              <a:t>2022-06-28</a:t>
             </a:fld>
             <a:endParaRPr lang="ko-KR" altLang="en-US"/>
           </a:p>
@@ -2179,7 +2179,7 @@
           <a:p>
             <a:fld id="{0A88B85E-2249-4498-94C2-C222D4624F98}" type="datetime1">
               <a:rPr lang="ko-KR" altLang="en-US" smtClean="0"/>
-              <a:t>2022-06-23</a:t>
+              <a:t>2022-06-28</a:t>
             </a:fld>
             <a:endParaRPr lang="ko-KR" altLang="en-US"/>
           </a:p>
@@ -2320,7 +2320,7 @@
           <a:p>
             <a:fld id="{A1964E3E-3AA3-4898-BCA0-E169713F8536}" type="datetime1">
               <a:rPr lang="ko-KR" altLang="en-US" smtClean="0"/>
-              <a:t>2022-06-23</a:t>
+              <a:t>2022-06-28</a:t>
             </a:fld>
             <a:endParaRPr lang="ko-KR" altLang="en-US"/>
           </a:p>
@@ -2433,7 +2433,7 @@
           <a:p>
             <a:fld id="{9D96AE18-149E-4A5A-A0A1-0CEC34EF8C04}" type="datetime1">
               <a:rPr lang="ko-KR" altLang="en-US" smtClean="0"/>
-              <a:t>2022-06-23</a:t>
+              <a:t>2022-06-28</a:t>
             </a:fld>
             <a:endParaRPr lang="ko-KR" altLang="en-US"/>
           </a:p>
@@ -2744,7 +2744,7 @@
           <a:p>
             <a:fld id="{A5B10253-1DB3-444D-AEEF-3EA2D297323B}" type="datetime1">
               <a:rPr lang="ko-KR" altLang="en-US" smtClean="0"/>
-              <a:t>2022-06-23</a:t>
+              <a:t>2022-06-28</a:t>
             </a:fld>
             <a:endParaRPr lang="ko-KR" altLang="en-US"/>
           </a:p>
@@ -3032,7 +3032,7 @@
           <a:p>
             <a:fld id="{08BDEA48-095C-4FAD-82C6-00E50F2A1619}" type="datetime1">
               <a:rPr lang="ko-KR" altLang="en-US" smtClean="0"/>
-              <a:t>2022-06-23</a:t>
+              <a:t>2022-06-28</a:t>
             </a:fld>
             <a:endParaRPr lang="ko-KR" altLang="en-US"/>
           </a:p>
@@ -3273,7 +3273,7 @@
           <a:p>
             <a:fld id="{3411749E-CD33-477B-B369-C97AB55A631D}" type="datetime1">
               <a:rPr lang="ko-KR" altLang="en-US" smtClean="0"/>
-              <a:t>2022-06-23</a:t>
+              <a:t>2022-06-28</a:t>
             </a:fld>
             <a:endParaRPr lang="ko-KR" altLang="en-US"/>
           </a:p>
@@ -3693,7 +3693,7 @@
       </p:grpSpPr>
       <p:sp>
         <p:nvSpPr>
-          <p:cNvPr id="4" name="직사각형 3">
+          <p:cNvPr id="4" name="직사각형 1">
             <a:extLst>
               <a:ext uri="{FF2B5EF4-FFF2-40B4-BE49-F238E27FC236}">
                 <a16:creationId xmlns:a16="http://schemas.microsoft.com/office/drawing/2014/main" id="{E29727B3-DAB0-4A6A-8C1F-B3C1F5A77720}"/>
@@ -3866,7 +3866,7 @@
       </p:sp>
       <p:cxnSp>
         <p:nvCxnSpPr>
-          <p:cNvPr id="9" name="직선 연결선 8">
+          <p:cNvPr id="9" name="직선 연결선 1">
             <a:extLst>
               <a:ext uri="{FF2B5EF4-FFF2-40B4-BE49-F238E27FC236}">
                 <a16:creationId xmlns:a16="http://schemas.microsoft.com/office/drawing/2014/main" id="{E9268CBF-62E5-4ED2-5EFF-947B30B19F10}"/>
@@ -4030,7 +4030,7 @@
       </p:sp>
       <p:pic>
         <p:nvPicPr>
-          <p:cNvPr id="15" name="Picture 14" descr="image.jpeg"/>
+          <p:cNvPr id="15" name="logo" descr="image.jpeg"/>
           <p:cNvPicPr>
             <a:picLocks noChangeAspect="1"/>
           </p:cNvPicPr>
@@ -4079,7 +4079,7 @@
       </p:grpSpPr>
       <p:sp>
         <p:nvSpPr>
-          <p:cNvPr id="4" name="직사각형 3">
+          <p:cNvPr id="4" name="직사각형 1">
             <a:extLst>
               <a:ext uri="{FF2B5EF4-FFF2-40B4-BE49-F238E27FC236}">
                 <a16:creationId xmlns:a16="http://schemas.microsoft.com/office/drawing/2014/main" id="{E29727B3-DAB0-4A6A-8C1F-B3C1F5A77720}"/>
@@ -4229,7 +4229,7 @@
       </p:sp>
       <p:pic>
         <p:nvPicPr>
-          <p:cNvPr id="12" name="Picture 11" descr="image.jpeg"/>
+          <p:cNvPr id="12" name="logo" descr="image.jpeg"/>
           <p:cNvPicPr>
             <a:picLocks noChangeAspect="1"/>
           </p:cNvPicPr>
